--- a/Design.pptx
+++ b/Design.pptx
@@ -280,7 +280,7 @@
           <a:p>
             <a:fld id="{0BEB659A-F724-48AB-9F09-62BDF2BAEBD7}" type="datetimeFigureOut">
               <a:rPr lang="en-US" smtClean="0"/>
-              <a:t>4/19/2020</a:t>
+              <a:t>4/26/2020</a:t>
             </a:fld>
             <a:endParaRPr lang="en-US"/>
           </a:p>
@@ -478,7 +478,7 @@
           <a:p>
             <a:fld id="{0BEB659A-F724-48AB-9F09-62BDF2BAEBD7}" type="datetimeFigureOut">
               <a:rPr lang="en-US" smtClean="0"/>
-              <a:t>4/19/2020</a:t>
+              <a:t>4/26/2020</a:t>
             </a:fld>
             <a:endParaRPr lang="en-US"/>
           </a:p>
@@ -686,7 +686,7 @@
           <a:p>
             <a:fld id="{0BEB659A-F724-48AB-9F09-62BDF2BAEBD7}" type="datetimeFigureOut">
               <a:rPr lang="en-US" smtClean="0"/>
-              <a:t>4/19/2020</a:t>
+              <a:t>4/26/2020</a:t>
             </a:fld>
             <a:endParaRPr lang="en-US"/>
           </a:p>
@@ -884,7 +884,7 @@
           <a:p>
             <a:fld id="{0BEB659A-F724-48AB-9F09-62BDF2BAEBD7}" type="datetimeFigureOut">
               <a:rPr lang="en-US" smtClean="0"/>
-              <a:t>4/19/2020</a:t>
+              <a:t>4/26/2020</a:t>
             </a:fld>
             <a:endParaRPr lang="en-US"/>
           </a:p>
@@ -1159,7 +1159,7 @@
           <a:p>
             <a:fld id="{0BEB659A-F724-48AB-9F09-62BDF2BAEBD7}" type="datetimeFigureOut">
               <a:rPr lang="en-US" smtClean="0"/>
-              <a:t>4/19/2020</a:t>
+              <a:t>4/26/2020</a:t>
             </a:fld>
             <a:endParaRPr lang="en-US"/>
           </a:p>
@@ -1424,7 +1424,7 @@
           <a:p>
             <a:fld id="{0BEB659A-F724-48AB-9F09-62BDF2BAEBD7}" type="datetimeFigureOut">
               <a:rPr lang="en-US" smtClean="0"/>
-              <a:t>4/19/2020</a:t>
+              <a:t>4/26/2020</a:t>
             </a:fld>
             <a:endParaRPr lang="en-US"/>
           </a:p>
@@ -1836,7 +1836,7 @@
           <a:p>
             <a:fld id="{0BEB659A-F724-48AB-9F09-62BDF2BAEBD7}" type="datetimeFigureOut">
               <a:rPr lang="en-US" smtClean="0"/>
-              <a:t>4/19/2020</a:t>
+              <a:t>4/26/2020</a:t>
             </a:fld>
             <a:endParaRPr lang="en-US"/>
           </a:p>
@@ -1977,7 +1977,7 @@
           <a:p>
             <a:fld id="{0BEB659A-F724-48AB-9F09-62BDF2BAEBD7}" type="datetimeFigureOut">
               <a:rPr lang="en-US" smtClean="0"/>
-              <a:t>4/19/2020</a:t>
+              <a:t>4/26/2020</a:t>
             </a:fld>
             <a:endParaRPr lang="en-US"/>
           </a:p>
@@ -2090,7 +2090,7 @@
           <a:p>
             <a:fld id="{0BEB659A-F724-48AB-9F09-62BDF2BAEBD7}" type="datetimeFigureOut">
               <a:rPr lang="en-US" smtClean="0"/>
-              <a:t>4/19/2020</a:t>
+              <a:t>4/26/2020</a:t>
             </a:fld>
             <a:endParaRPr lang="en-US"/>
           </a:p>
@@ -2401,7 +2401,7 @@
           <a:p>
             <a:fld id="{0BEB659A-F724-48AB-9F09-62BDF2BAEBD7}" type="datetimeFigureOut">
               <a:rPr lang="en-US" smtClean="0"/>
-              <a:t>4/19/2020</a:t>
+              <a:t>4/26/2020</a:t>
             </a:fld>
             <a:endParaRPr lang="en-US"/>
           </a:p>
@@ -2689,7 +2689,7 @@
           <a:p>
             <a:fld id="{0BEB659A-F724-48AB-9F09-62BDF2BAEBD7}" type="datetimeFigureOut">
               <a:rPr lang="en-US" smtClean="0"/>
-              <a:t>4/19/2020</a:t>
+              <a:t>4/26/2020</a:t>
             </a:fld>
             <a:endParaRPr lang="en-US"/>
           </a:p>
@@ -2930,7 +2930,7 @@
           <a:p>
             <a:fld id="{0BEB659A-F724-48AB-9F09-62BDF2BAEBD7}" type="datetimeFigureOut">
               <a:rPr lang="en-US" smtClean="0"/>
-              <a:t>4/19/2020</a:t>
+              <a:t>4/26/2020</a:t>
             </a:fld>
             <a:endParaRPr lang="en-US"/>
           </a:p>
@@ -3838,10 +3838,10 @@
       </p:grpSpPr>
       <p:pic>
         <p:nvPicPr>
-          <p:cNvPr id="5" name="Picture 4">
-            <a:extLst>
-              <a:ext uri="{FF2B5EF4-FFF2-40B4-BE49-F238E27FC236}">
-                <a16:creationId xmlns:a16="http://schemas.microsoft.com/office/drawing/2014/main" id="{97E59AB5-BB81-48EE-8F77-4F18A8851628}"/>
+          <p:cNvPr id="3" name="Picture 2">
+            <a:extLst>
+              <a:ext uri="{FF2B5EF4-FFF2-40B4-BE49-F238E27FC236}">
+                <a16:creationId xmlns:a16="http://schemas.microsoft.com/office/drawing/2014/main" id="{93B569AD-F638-4681-B8D3-31E0FBD1AC5C}"/>
               </a:ext>
             </a:extLst>
           </p:cNvPr>
@@ -3864,8 +3864,8 @@
         </p:blipFill>
         <p:spPr>
           <a:xfrm>
-            <a:off x="1719079" y="0"/>
-            <a:ext cx="8753841" cy="6858000"/>
+            <a:off x="2428022" y="0"/>
+            <a:ext cx="7335955" cy="6858000"/>
           </a:xfrm>
           <a:prstGeom prst="rect">
             <a:avLst/>
@@ -3904,10 +3904,10 @@
       </p:grpSpPr>
       <p:pic>
         <p:nvPicPr>
-          <p:cNvPr id="7" name="Picture 6">
-            <a:extLst>
-              <a:ext uri="{FF2B5EF4-FFF2-40B4-BE49-F238E27FC236}">
-                <a16:creationId xmlns:a16="http://schemas.microsoft.com/office/drawing/2014/main" id="{58A92835-7F81-4555-9660-400C4B26A53A}"/>
+          <p:cNvPr id="5" name="Picture 4">
+            <a:extLst>
+              <a:ext uri="{FF2B5EF4-FFF2-40B4-BE49-F238E27FC236}">
+                <a16:creationId xmlns:a16="http://schemas.microsoft.com/office/drawing/2014/main" id="{0BE3AC2C-A0A7-4F51-A09D-3887BC424C20}"/>
               </a:ext>
             </a:extLst>
           </p:cNvPr>
@@ -3930,8 +3930,8 @@
         </p:blipFill>
         <p:spPr>
           <a:xfrm>
-            <a:off x="1245111" y="0"/>
-            <a:ext cx="9701778" cy="6858000"/>
+            <a:off x="1504627" y="0"/>
+            <a:ext cx="9182746" cy="6858000"/>
           </a:xfrm>
           <a:prstGeom prst="rect">
             <a:avLst/>
